--- a/v1/Scharl Christian - W-Seminar Präsentation.pptx
+++ b/v1/Scharl Christian - W-Seminar Präsentation.pptx
@@ -4644,7 +4644,7 @@
               <a:t>Wenn COOPERATIVE = </a:t>
             </a:r>
             <a:r>
-              <a:rPr lang="de-DE"/>
+              <a:rPr lang="de-DE" dirty="0" err="1"/>
               <a:t>false</a:t>
             </a:r>
             <a:endParaRPr lang="de-DE" dirty="0"/>
